--- a/Simply ecological world presentation.pptx
+++ b/Simply ecological world presentation.pptx
@@ -2938,7 +2938,7 @@
           <a:p>
             <a:fld id="{F5324933-4243-4959-8CE3-AD613147AE5D}" type="datetimeFigureOut">
               <a:rPr lang="bg-BG" smtClean="0"/>
-              <a:t>2.2.2020 г.</a:t>
+              <a:t>3.2.2020 г.</a:t>
             </a:fld>
             <a:endParaRPr lang="bg-BG"/>
           </a:p>
@@ -3210,7 +3210,7 @@
           <a:p>
             <a:fld id="{F5324933-4243-4959-8CE3-AD613147AE5D}" type="datetimeFigureOut">
               <a:rPr lang="bg-BG" smtClean="0"/>
-              <a:t>2.2.2020 г.</a:t>
+              <a:t>3.2.2020 г.</a:t>
             </a:fld>
             <a:endParaRPr lang="bg-BG"/>
           </a:p>
@@ -3409,7 +3409,7 @@
           <a:p>
             <a:fld id="{F5324933-4243-4959-8CE3-AD613147AE5D}" type="datetimeFigureOut">
               <a:rPr lang="bg-BG" smtClean="0"/>
-              <a:t>2.2.2020 г.</a:t>
+              <a:t>3.2.2020 г.</a:t>
             </a:fld>
             <a:endParaRPr lang="bg-BG"/>
           </a:p>
@@ -3633,7 +3633,7 @@
           <a:p>
             <a:fld id="{F5324933-4243-4959-8CE3-AD613147AE5D}" type="datetimeFigureOut">
               <a:rPr lang="bg-BG" smtClean="0"/>
-              <a:t>2.2.2020 г.</a:t>
+              <a:t>3.2.2020 г.</a:t>
             </a:fld>
             <a:endParaRPr lang="bg-BG"/>
           </a:p>
@@ -3909,7 +3909,7 @@
           <a:p>
             <a:fld id="{F5324933-4243-4959-8CE3-AD613147AE5D}" type="datetimeFigureOut">
               <a:rPr lang="bg-BG" smtClean="0"/>
-              <a:t>2.2.2020 г.</a:t>
+              <a:t>3.2.2020 г.</a:t>
             </a:fld>
             <a:endParaRPr lang="bg-BG"/>
           </a:p>
@@ -4250,7 +4250,7 @@
           <a:p>
             <a:fld id="{F5324933-4243-4959-8CE3-AD613147AE5D}" type="datetimeFigureOut">
               <a:rPr lang="bg-BG" smtClean="0"/>
-              <a:t>2.2.2020 г.</a:t>
+              <a:t>3.2.2020 г.</a:t>
             </a:fld>
             <a:endParaRPr lang="bg-BG"/>
           </a:p>
@@ -4667,7 +4667,7 @@
           <a:p>
             <a:fld id="{F5324933-4243-4959-8CE3-AD613147AE5D}" type="datetimeFigureOut">
               <a:rPr lang="bg-BG" smtClean="0"/>
-              <a:t>2.2.2020 г.</a:t>
+              <a:t>3.2.2020 г.</a:t>
             </a:fld>
             <a:endParaRPr lang="bg-BG"/>
           </a:p>
@@ -4804,7 +4804,7 @@
           <a:p>
             <a:fld id="{F5324933-4243-4959-8CE3-AD613147AE5D}" type="datetimeFigureOut">
               <a:rPr lang="bg-BG" smtClean="0"/>
-              <a:t>2.2.2020 г.</a:t>
+              <a:t>3.2.2020 г.</a:t>
             </a:fld>
             <a:endParaRPr lang="bg-BG"/>
           </a:p>
@@ -4918,7 +4918,7 @@
           <a:p>
             <a:fld id="{F5324933-4243-4959-8CE3-AD613147AE5D}" type="datetimeFigureOut">
               <a:rPr lang="bg-BG" smtClean="0"/>
-              <a:t>2.2.2020 г.</a:t>
+              <a:t>3.2.2020 г.</a:t>
             </a:fld>
             <a:endParaRPr lang="bg-BG"/>
           </a:p>
@@ -5227,7 +5227,7 @@
           <a:p>
             <a:fld id="{F5324933-4243-4959-8CE3-AD613147AE5D}" type="datetimeFigureOut">
               <a:rPr lang="bg-BG" smtClean="0"/>
-              <a:t>2.2.2020 г.</a:t>
+              <a:t>3.2.2020 г.</a:t>
             </a:fld>
             <a:endParaRPr lang="bg-BG"/>
           </a:p>
@@ -5526,7 +5526,7 @@
           <a:p>
             <a:fld id="{F5324933-4243-4959-8CE3-AD613147AE5D}" type="datetimeFigureOut">
               <a:rPr lang="bg-BG" smtClean="0"/>
-              <a:t>2.2.2020 г.</a:t>
+              <a:t>3.2.2020 г.</a:t>
             </a:fld>
             <a:endParaRPr lang="bg-BG"/>
           </a:p>
@@ -5801,7 +5801,7 @@
           <a:p>
             <a:fld id="{F5324933-4243-4959-8CE3-AD613147AE5D}" type="datetimeFigureOut">
               <a:rPr lang="bg-BG" smtClean="0"/>
-              <a:t>2.2.2020 г.</a:t>
+              <a:t>3.2.2020 г.</a:t>
             </a:fld>
             <a:endParaRPr lang="bg-BG"/>
           </a:p>
@@ -6707,11 +6707,7 @@
           <a:p>
             <a:r>
               <a:rPr lang="en-US" dirty="0" smtClean="0"/>
-              <a:t>Emily </a:t>
-            </a:r>
-            <a:r>
-              <a:rPr lang="en-US" dirty="0" smtClean="0"/>
-              <a:t>Kehayova</a:t>
+              <a:t>Emily Kehayova</a:t>
             </a:r>
             <a:endParaRPr lang="bg-BG" dirty="0"/>
           </a:p>
@@ -6734,11 +6730,7 @@
           <a:p>
             <a:r>
               <a:rPr lang="en-US" dirty="0" smtClean="0"/>
-              <a:t>Georgi </a:t>
-            </a:r>
-            <a:r>
-              <a:rPr lang="en-US" dirty="0" smtClean="0"/>
-              <a:t>Mihov</a:t>
+              <a:t>Georgi Mihov</a:t>
             </a:r>
             <a:endParaRPr lang="bg-BG" dirty="0"/>
           </a:p>
@@ -9938,7 +9930,11 @@
             </a:r>
             <a:r>
               <a:rPr lang="en-US" sz="7200" dirty="0" smtClean="0"/>
-              <a:t>your attention</a:t>
+              <a:t>your </a:t>
+            </a:r>
+            <a:r>
+              <a:rPr lang="en-US" sz="7200" dirty="0" smtClean="0"/>
+              <a:t>attention</a:t>
             </a:r>
             <a:endParaRPr lang="bg-BG" sz="7200" dirty="0"/>
           </a:p>
@@ -9967,7 +9963,7 @@
         </p:blipFill>
         <p:spPr bwMode="auto">
           <a:xfrm>
-            <a:off x="-1140178" y="1823494"/>
+            <a:off x="-1106311" y="1823493"/>
             <a:ext cx="7645231" cy="3115395"/>
           </a:xfrm>
           <a:prstGeom prst="rect">
@@ -10053,7 +10049,7 @@
                                     </p:set>
                                     <p:animEffect transition="in" filter="wipe(down)">
                                       <p:cBhvr>
-                                        <p:cTn id="7" dur="580">
+                                        <p:cTn id="7" dur="507">
                                           <p:stCondLst>
                                             <p:cond delay="0"/>
                                           </p:stCondLst>
@@ -10065,7 +10061,7 @@
                                     </p:animEffect>
                                     <p:anim calcmode="lin" valueType="num">
                                       <p:cBhvr>
-                                        <p:cTn id="8" dur="1822" tmFilter="0,0; 0.14,0.36; 0.43,0.73; 0.71,0.91; 1.0,1.0">
+                                        <p:cTn id="8" dur="1594" tmFilter="0,0; 0.14,0.36; 0.43,0.73; 0.71,0.91; 1.0,1.0">
                                           <p:stCondLst>
                                             <p:cond delay="0"/>
                                           </p:stCondLst>
@@ -10092,7 +10088,7 @@
                                     </p:anim>
                                     <p:anim calcmode="lin" valueType="num">
                                       <p:cBhvr>
-                                        <p:cTn id="9" dur="664" tmFilter="0.0,0.0; 0.25,0.07; 0.50,0.2; 0.75,0.467; 1.0,1.0">
+                                        <p:cTn id="9" dur="581" tmFilter="0.0,0.0; 0.25,0.07; 0.50,0.2; 0.75,0.467; 1.0,1.0">
                                           <p:stCondLst>
                                             <p:cond delay="0"/>
                                           </p:stCondLst>
@@ -10119,9 +10115,9 @@
                                     </p:anim>
                                     <p:anim calcmode="lin" valueType="num">
                                       <p:cBhvr>
-                                        <p:cTn id="10" dur="664" tmFilter="0, 0; 0.125,0.2665; 0.25,0.4; 0.375,0.465; 0.5,0.5;  0.625,0.535; 0.75,0.6; 0.875,0.7335; 1,1">
+                                        <p:cTn id="10" dur="581" tmFilter="0, 0; 0.125,0.2665; 0.25,0.4; 0.375,0.465; 0.5,0.5;  0.625,0.535; 0.75,0.6; 0.875,0.7335; 1,1">
                                           <p:stCondLst>
-                                            <p:cond delay="664"/>
+                                            <p:cond delay="581"/>
                                           </p:stCondLst>
                                         </p:cTn>
                                         <p:tgtEl>
@@ -10146,9 +10142,9 @@
                                     </p:anim>
                                     <p:anim calcmode="lin" valueType="num">
                                       <p:cBhvr>
-                                        <p:cTn id="11" dur="332" tmFilter="0, 0; 0.125,0.2665; 0.25,0.4; 0.375,0.465; 0.5,0.5;  0.625,0.535; 0.75,0.6; 0.875,0.7335; 1,1">
+                                        <p:cTn id="11" dur="291" tmFilter="0, 0; 0.125,0.2665; 0.25,0.4; 0.375,0.465; 0.5,0.5;  0.625,0.535; 0.75,0.6; 0.875,0.7335; 1,1">
                                           <p:stCondLst>
-                                            <p:cond delay="1324"/>
+                                            <p:cond delay="1158"/>
                                           </p:stCondLst>
                                         </p:cTn>
                                         <p:tgtEl>
@@ -10173,9 +10169,9 @@
                                     </p:anim>
                                     <p:anim calcmode="lin" valueType="num">
                                       <p:cBhvr>
-                                        <p:cTn id="12" dur="164" tmFilter="0, 0; 0.125,0.2665; 0.25,0.4; 0.375,0.465; 0.5,0.5;  0.625,0.535; 0.75,0.6; 0.875,0.7335; 1,1">
+                                        <p:cTn id="12" dur="144" tmFilter="0, 0; 0.125,0.2665; 0.25,0.4; 0.375,0.465; 0.5,0.5;  0.625,0.535; 0.75,0.6; 0.875,0.7335; 1,1">
                                           <p:stCondLst>
-                                            <p:cond delay="1656"/>
+                                            <p:cond delay="1449"/>
                                           </p:stCondLst>
                                         </p:cTn>
                                         <p:tgtEl>
@@ -10200,9 +10196,9 @@
                                     </p:anim>
                                     <p:animScale>
                                       <p:cBhvr>
-                                        <p:cTn id="13" dur="26">
+                                        <p:cTn id="13" dur="23">
                                           <p:stCondLst>
-                                            <p:cond delay="650"/>
+                                            <p:cond delay="569"/>
                                           </p:stCondLst>
                                         </p:cTn>
                                         <p:tgtEl>
@@ -10213,9 +10209,9 @@
                                     </p:animScale>
                                     <p:animScale>
                                       <p:cBhvr>
-                                        <p:cTn id="14" dur="166" decel="50000">
+                                        <p:cTn id="14" dur="145" decel="50000">
                                           <p:stCondLst>
-                                            <p:cond delay="676"/>
+                                            <p:cond delay="591"/>
                                           </p:stCondLst>
                                         </p:cTn>
                                         <p:tgtEl>
@@ -10226,9 +10222,9 @@
                                     </p:animScale>
                                     <p:animScale>
                                       <p:cBhvr>
-                                        <p:cTn id="15" dur="26">
+                                        <p:cTn id="15" dur="23">
                                           <p:stCondLst>
-                                            <p:cond delay="1312"/>
+                                            <p:cond delay="1148"/>
                                           </p:stCondLst>
                                         </p:cTn>
                                         <p:tgtEl>
@@ -10239,9 +10235,9 @@
                                     </p:animScale>
                                     <p:animScale>
                                       <p:cBhvr>
-                                        <p:cTn id="16" dur="166" decel="50000">
+                                        <p:cTn id="16" dur="145" decel="50000">
                                           <p:stCondLst>
-                                            <p:cond delay="1338"/>
+                                            <p:cond delay="1171"/>
                                           </p:stCondLst>
                                         </p:cTn>
                                         <p:tgtEl>
@@ -10252,9 +10248,9 @@
                                     </p:animScale>
                                     <p:animScale>
                                       <p:cBhvr>
-                                        <p:cTn id="17" dur="26">
+                                        <p:cTn id="17" dur="23">
                                           <p:stCondLst>
-                                            <p:cond delay="1642"/>
+                                            <p:cond delay="1437"/>
                                           </p:stCondLst>
                                         </p:cTn>
                                         <p:tgtEl>
@@ -10265,9 +10261,9 @@
                                     </p:animScale>
                                     <p:animScale>
                                       <p:cBhvr>
-                                        <p:cTn id="18" dur="166" decel="50000">
+                                        <p:cTn id="18" dur="145" decel="50000">
                                           <p:stCondLst>
-                                            <p:cond delay="1668"/>
+                                            <p:cond delay="1460"/>
                                           </p:stCondLst>
                                         </p:cTn>
                                         <p:tgtEl>
@@ -10278,9 +10274,9 @@
                                     </p:animScale>
                                     <p:animScale>
                                       <p:cBhvr>
-                                        <p:cTn id="19" dur="26">
+                                        <p:cTn id="19" dur="23">
                                           <p:stCondLst>
-                                            <p:cond delay="1808"/>
+                                            <p:cond delay="1582"/>
                                           </p:stCondLst>
                                         </p:cTn>
                                         <p:tgtEl>
@@ -10291,9 +10287,9 @@
                                     </p:animScale>
                                     <p:animScale>
                                       <p:cBhvr>
-                                        <p:cTn id="20" dur="166" decel="50000">
+                                        <p:cTn id="20" dur="145" decel="50000">
                                           <p:stCondLst>
-                                            <p:cond delay="1834"/>
+                                            <p:cond delay="1605"/>
                                           </p:stCondLst>
                                         </p:cTn>
                                         <p:tgtEl>
